--- a/AnIntroductionToTerraME/synchronize.pptx
+++ b/AnIntroductionToTerraME/synchronize.pptx
@@ -3050,7 +3050,7 @@
             <a:avLst/>
           </a:prstGeom>
           <a:solidFill>
-            <a:schemeClr val="tx1"/>
+            <a:schemeClr val="bg1"/>
           </a:solidFill>
           <a:ln>
             <a:solidFill>
@@ -5251,8 +5251,8 @@
         </p:nvSpPr>
         <p:spPr>
           <a:xfrm>
-            <a:off x="0" y="2204864"/>
-            <a:ext cx="1139543" cy="461665"/>
+            <a:off x="277632" y="2146924"/>
+            <a:ext cx="996940" cy="400110"/>
           </a:xfrm>
           <a:prstGeom prst="rect">
             <a:avLst/>
@@ -5266,10 +5266,10 @@
           <a:lstStyle/>
           <a:p>
             <a:r>
-              <a:rPr lang="pt-BR" sz="2400" smtClean="0"/>
+              <a:rPr lang="pt-BR" sz="2000" b="1" smtClean="0"/>
               <a:t>present</a:t>
             </a:r>
-            <a:endParaRPr lang="pt-BR" sz="2400"/>
+            <a:endParaRPr lang="pt-BR" sz="2000" b="1"/>
           </a:p>
         </p:txBody>
       </p:sp>
@@ -5281,8 +5281,8 @@
         </p:nvSpPr>
         <p:spPr>
           <a:xfrm>
-            <a:off x="5692" y="4283804"/>
-            <a:ext cx="713400" cy="461665"/>
+            <a:off x="283324" y="4225864"/>
+            <a:ext cx="637034" cy="400110"/>
           </a:xfrm>
           <a:prstGeom prst="rect">
             <a:avLst/>
@@ -5296,10 +5296,10 @@
           <a:lstStyle/>
           <a:p>
             <a:r>
-              <a:rPr lang="pt-BR" sz="2400" smtClean="0"/>
+              <a:rPr lang="pt-BR" sz="2000" b="1" smtClean="0"/>
               <a:t>past</a:t>
             </a:r>
-            <a:endParaRPr lang="pt-BR" sz="2400"/>
+            <a:endParaRPr lang="pt-BR" sz="2000" b="1"/>
           </a:p>
         </p:txBody>
       </p:sp>
@@ -5311,8 +5311,8 @@
         </p:nvSpPr>
         <p:spPr>
           <a:xfrm>
-            <a:off x="1339285" y="1124744"/>
-            <a:ext cx="928459" cy="461665"/>
+            <a:off x="1381489" y="1444714"/>
+            <a:ext cx="808235" cy="400110"/>
           </a:xfrm>
           <a:prstGeom prst="rect">
             <a:avLst/>
@@ -5326,10 +5326,10 @@
           <a:lstStyle/>
           <a:p>
             <a:r>
-              <a:rPr lang="pt-BR" sz="2400" smtClean="0"/>
+              <a:rPr lang="pt-BR" sz="2000" smtClean="0"/>
               <a:t>time t</a:t>
             </a:r>
-            <a:endParaRPr lang="pt-BR" sz="2400"/>
+            <a:endParaRPr lang="pt-BR" sz="2000"/>
           </a:p>
         </p:txBody>
       </p:sp>
@@ -5341,8 +5341,8 @@
         </p:nvSpPr>
         <p:spPr>
           <a:xfrm>
-            <a:off x="3851920" y="1124744"/>
-            <a:ext cx="1375698" cy="461665"/>
+            <a:off x="3922260" y="1444714"/>
+            <a:ext cx="1181734" cy="400110"/>
           </a:xfrm>
           <a:prstGeom prst="rect">
             <a:avLst/>
@@ -5356,10 +5356,10 @@
           <a:lstStyle/>
           <a:p>
             <a:r>
-              <a:rPr lang="pt-BR" sz="2400" smtClean="0"/>
+              <a:rPr lang="pt-BR" sz="2000" smtClean="0"/>
               <a:t>time t + 1</a:t>
             </a:r>
-            <a:endParaRPr lang="pt-BR" sz="2400"/>
+            <a:endParaRPr lang="pt-BR" sz="2000"/>
           </a:p>
         </p:txBody>
       </p:sp>
@@ -5371,8 +5371,8 @@
         </p:nvSpPr>
         <p:spPr>
           <a:xfrm>
-            <a:off x="6580678" y="1124744"/>
-            <a:ext cx="1375698" cy="461665"/>
+            <a:off x="6665086" y="1444714"/>
+            <a:ext cx="1181734" cy="400110"/>
           </a:xfrm>
           <a:prstGeom prst="rect">
             <a:avLst/>
@@ -5386,10 +5386,10 @@
           <a:lstStyle/>
           <a:p>
             <a:r>
-              <a:rPr lang="pt-BR" sz="2400" smtClean="0"/>
+              <a:rPr lang="pt-BR" sz="2000" smtClean="0"/>
               <a:t>time t + 2</a:t>
             </a:r>
-            <a:endParaRPr lang="pt-BR" sz="2400"/>
+            <a:endParaRPr lang="pt-BR" sz="2000"/>
           </a:p>
         </p:txBody>
       </p:sp>
@@ -5696,7 +5696,7 @@
             <a:avLst/>
           </a:prstGeom>
           <a:solidFill>
-            <a:schemeClr val="tx1"/>
+            <a:schemeClr val="bg1"/>
           </a:solidFill>
           <a:ln>
             <a:solidFill>
